--- a/Poster.pptx
+++ b/Poster.pptx
@@ -2526,7 +2526,7 @@
           <a:p>
             <a:fld id="{9A7F541F-2604-4405-808D-02DCB071762F}" type="datetimeFigureOut">
               <a:rPr lang="en-IN" smtClean="0"/>
-              <a:t>12-03-2024</a:t>
+              <a:t>13-03-2024</a:t>
             </a:fld>
             <a:endParaRPr lang="en-IN"/>
           </a:p>
@@ -2696,7 +2696,7 @@
           <a:p>
             <a:fld id="{9A7F541F-2604-4405-808D-02DCB071762F}" type="datetimeFigureOut">
               <a:rPr lang="en-IN" smtClean="0"/>
-              <a:t>12-03-2024</a:t>
+              <a:t>13-03-2024</a:t>
             </a:fld>
             <a:endParaRPr lang="en-IN"/>
           </a:p>
@@ -2876,7 +2876,7 @@
           <a:p>
             <a:fld id="{9A7F541F-2604-4405-808D-02DCB071762F}" type="datetimeFigureOut">
               <a:rPr lang="en-IN" smtClean="0"/>
-              <a:t>12-03-2024</a:t>
+              <a:t>13-03-2024</a:t>
             </a:fld>
             <a:endParaRPr lang="en-IN"/>
           </a:p>
@@ -3046,7 +3046,7 @@
           <a:p>
             <a:fld id="{9A7F541F-2604-4405-808D-02DCB071762F}" type="datetimeFigureOut">
               <a:rPr lang="en-IN" smtClean="0"/>
-              <a:t>12-03-2024</a:t>
+              <a:t>13-03-2024</a:t>
             </a:fld>
             <a:endParaRPr lang="en-IN"/>
           </a:p>
@@ -3290,7 +3290,7 @@
           <a:p>
             <a:fld id="{9A7F541F-2604-4405-808D-02DCB071762F}" type="datetimeFigureOut">
               <a:rPr lang="en-IN" smtClean="0"/>
-              <a:t>12-03-2024</a:t>
+              <a:t>13-03-2024</a:t>
             </a:fld>
             <a:endParaRPr lang="en-IN"/>
           </a:p>
@@ -3522,7 +3522,7 @@
           <a:p>
             <a:fld id="{9A7F541F-2604-4405-808D-02DCB071762F}" type="datetimeFigureOut">
               <a:rPr lang="en-IN" smtClean="0"/>
-              <a:t>12-03-2024</a:t>
+              <a:t>13-03-2024</a:t>
             </a:fld>
             <a:endParaRPr lang="en-IN"/>
           </a:p>
@@ -3889,7 +3889,7 @@
           <a:p>
             <a:fld id="{9A7F541F-2604-4405-808D-02DCB071762F}" type="datetimeFigureOut">
               <a:rPr lang="en-IN" smtClean="0"/>
-              <a:t>12-03-2024</a:t>
+              <a:t>13-03-2024</a:t>
             </a:fld>
             <a:endParaRPr lang="en-IN"/>
           </a:p>
@@ -4007,7 +4007,7 @@
           <a:p>
             <a:fld id="{9A7F541F-2604-4405-808D-02DCB071762F}" type="datetimeFigureOut">
               <a:rPr lang="en-IN" smtClean="0"/>
-              <a:t>12-03-2024</a:t>
+              <a:t>13-03-2024</a:t>
             </a:fld>
             <a:endParaRPr lang="en-IN"/>
           </a:p>
@@ -4102,7 +4102,7 @@
           <a:p>
             <a:fld id="{9A7F541F-2604-4405-808D-02DCB071762F}" type="datetimeFigureOut">
               <a:rPr lang="en-IN" smtClean="0"/>
-              <a:t>12-03-2024</a:t>
+              <a:t>13-03-2024</a:t>
             </a:fld>
             <a:endParaRPr lang="en-IN"/>
           </a:p>
@@ -4379,7 +4379,7 @@
           <a:p>
             <a:fld id="{9A7F541F-2604-4405-808D-02DCB071762F}" type="datetimeFigureOut">
               <a:rPr lang="en-IN" smtClean="0"/>
-              <a:t>12-03-2024</a:t>
+              <a:t>13-03-2024</a:t>
             </a:fld>
             <a:endParaRPr lang="en-IN"/>
           </a:p>
@@ -4636,7 +4636,7 @@
           <a:p>
             <a:fld id="{9A7F541F-2604-4405-808D-02DCB071762F}" type="datetimeFigureOut">
               <a:rPr lang="en-IN" smtClean="0"/>
-              <a:t>12-03-2024</a:t>
+              <a:t>13-03-2024</a:t>
             </a:fld>
             <a:endParaRPr lang="en-IN"/>
           </a:p>
@@ -4849,7 +4849,7 @@
           <a:p>
             <a:fld id="{9A7F541F-2604-4405-808D-02DCB071762F}" type="datetimeFigureOut">
               <a:rPr lang="en-IN" smtClean="0"/>
-              <a:t>12-03-2024</a:t>
+              <a:t>13-03-2024</a:t>
             </a:fld>
             <a:endParaRPr lang="en-IN"/>
           </a:p>
@@ -5285,7 +5285,7 @@
           <p:nvPr>
             <p:extLst>
               <p:ext uri="{D42A27DB-BD31-4B8C-83A1-F6EECF244321}">
-                <p14:modId xmlns:p14="http://schemas.microsoft.com/office/powerpoint/2010/main" val="2047020689"/>
+                <p14:modId xmlns:p14="http://schemas.microsoft.com/office/powerpoint/2010/main" val="1635269344"/>
               </p:ext>
             </p:extLst>
           </p:nvPr>
@@ -5481,7 +5481,7 @@
                           <a:latin typeface="Times New Roman" panose="02020603050405020304" pitchFamily="18" charset="0"/>
                           <a:cs typeface="Times New Roman" panose="02020603050405020304" pitchFamily="18" charset="0"/>
                         </a:rPr>
-                        <a:t>Project Team ID:</a:t>
+                        <a:t>Project Team ID: 10</a:t>
                       </a:r>
                       <a:endParaRPr lang="en-IN" sz="3100" dirty="0">
                         <a:solidFill>
@@ -5828,7 +5828,7 @@
         </p:nvSpPr>
         <p:spPr>
           <a:xfrm>
-            <a:off x="962527" y="5366084"/>
+            <a:off x="804549" y="5362206"/>
             <a:ext cx="4283241" cy="461665"/>
           </a:xfrm>
           <a:prstGeom prst="rect">
@@ -5871,7 +5871,7 @@
         <p:spPr>
           <a:xfrm>
             <a:off x="842210" y="5907373"/>
-            <a:ext cx="4283241" cy="3170099"/>
+            <a:ext cx="4283241" cy="2677656"/>
           </a:xfrm>
           <a:prstGeom prst="rect">
             <a:avLst/>
@@ -5886,22 +5886,8 @@
           <a:p>
             <a:pPr algn="ctr"/>
             <a:r>
-              <a:rPr lang="en-US" sz="2000" dirty="0"/>
-              <a:t>Communication is vital, but deaf and mute individuals face challenges with natural language.</a:t>
-            </a:r>
-          </a:p>
-          <a:p>
-            <a:pPr algn="ctr"/>
-            <a:r>
-              <a:rPr lang="en-US" sz="2000" dirty="0"/>
-              <a:t>Sign language, using visual gestures, is structured code with specific meanings.</a:t>
-            </a:r>
-          </a:p>
-          <a:p>
-            <a:pPr algn="ctr"/>
-            <a:r>
-              <a:rPr lang="en-US" sz="2000" dirty="0"/>
-              <a:t>Many struggle to understand sign language due to lack of education and experience. So this project will become a medium for communication between them.</a:t>
+              <a:rPr lang="en-US" sz="2400" dirty="0"/>
+              <a:t>Create a bridge for deaf and mute communication using sign language, a visual code. This project enhances understanding, fostering communication by addressing challenges through education and experience.</a:t>
             </a:r>
           </a:p>
         </p:txBody>
@@ -5921,7 +5907,7 @@
         <p:spPr>
           <a:xfrm>
             <a:off x="14515903" y="6064501"/>
-            <a:ext cx="6023990" cy="2862322"/>
+            <a:ext cx="6023990" cy="1200329"/>
           </a:xfrm>
           <a:prstGeom prst="rect">
             <a:avLst/>
@@ -5933,100 +5919,10 @@
           </a:bodyPr>
           <a:lstStyle/>
           <a:p>
-            <a:r>
-              <a:rPr lang="en-US" sz="2000" dirty="0"/>
-              <a:t>Collect a diverse dataset of hand gesture images representing Indian Sign Language (ISL) for training and testing. Ensure proper labeling of the dataset for supervised learning. Utilize ORB (Oriented FAST and Rotated BRIEF) descriptors for feature extraction.</a:t>
-            </a:r>
-          </a:p>
-          <a:p>
-            <a:r>
-              <a:rPr lang="en-US" sz="2000" dirty="0"/>
-              <a:t>Apply SIFT (Scale-Invariant Feature Transform) descriptors for canny edge images. Integrate a mechanism to display the predicted output (0-9 and A-Z) for recognized hand gestures.</a:t>
-            </a:r>
-          </a:p>
-        </p:txBody>
-      </p:sp>
-      <p:sp>
-        <p:nvSpPr>
-          <p:cNvPr id="15" name="Rectangle 14">
-            <a:extLst>
-              <a:ext uri="{FF2B5EF4-FFF2-40B4-BE49-F238E27FC236}">
-                <a16:creationId xmlns:a16="http://schemas.microsoft.com/office/drawing/2014/main" id="{671F6D0C-AC0B-CC44-A431-F193348385C0}"/>
-              </a:ext>
-            </a:extLst>
-          </p:cNvPr>
-          <p:cNvSpPr/>
-          <p:nvPr/>
-        </p:nvSpPr>
-        <p:spPr>
-          <a:xfrm>
-            <a:off x="14498398" y="10345054"/>
-            <a:ext cx="6121089" cy="3477875"/>
-          </a:xfrm>
-          <a:prstGeom prst="rect">
-            <a:avLst/>
-          </a:prstGeom>
-        </p:spPr>
-        <p:txBody>
-          <a:bodyPr wrap="square">
-            <a:spAutoFit/>
-          </a:bodyPr>
-          <a:lstStyle/>
-          <a:p>
             <a:pPr algn="ctr"/>
             <a:r>
-              <a:rPr lang="en-IN" sz="2000" dirty="0"/>
-              <a:t>Language: Python</a:t>
-            </a:r>
-          </a:p>
-          <a:p>
-            <a:pPr algn="ctr"/>
-            <a:r>
-              <a:rPr lang="en-IN" sz="2000" dirty="0"/>
-              <a:t>Libraries and Frameworks: OpenCV, scikit-learn</a:t>
-            </a:r>
-          </a:p>
-          <a:p>
-            <a:pPr algn="ctr"/>
-            <a:r>
-              <a:rPr lang="en-IN" sz="2000" dirty="0"/>
-              <a:t>Machine Learning Model: Support Vector Machine (SVM)</a:t>
-            </a:r>
-          </a:p>
-          <a:p>
-            <a:pPr algn="ctr"/>
-            <a:r>
-              <a:rPr lang="en-IN" sz="2000" dirty="0"/>
-              <a:t>(</a:t>
-            </a:r>
-            <a:r>
-              <a:rPr lang="en-US" sz="2000" dirty="0"/>
-              <a:t>handling high-dimensional feature vectors extracted from sign language images, providing robust classification with the ability to handle nonlinear relationships and prevent overfitting</a:t>
-            </a:r>
-            <a:r>
-              <a:rPr lang="en-IN" sz="2000" dirty="0"/>
-              <a:t>)</a:t>
-            </a:r>
-          </a:p>
-          <a:p>
-            <a:pPr algn="ctr"/>
-            <a:r>
-              <a:rPr lang="en-IN" sz="2000" dirty="0"/>
-              <a:t>Clustering Algorithm: Mini Batch K-Means</a:t>
-            </a:r>
-          </a:p>
-          <a:p>
-            <a:pPr algn="ctr"/>
-            <a:r>
-              <a:rPr lang="en-IN" sz="2000" dirty="0"/>
-              <a:t>Feature Extraction Techniques: ORB, SIFT</a:t>
-            </a:r>
-          </a:p>
-          <a:p>
-            <a:pPr algn="ctr"/>
-            <a:r>
-              <a:rPr lang="en-IN" sz="2000" dirty="0"/>
-              <a:t>Data Preprocessing Tools: Canny Edge Detection, Skin Tone Analysis</a:t>
+              <a:rPr lang="en-US" sz="2400" dirty="0"/>
+              <a:t>Implement a system to display predicted outputs (0-9 and A-Z) for recognized hand gestures.</a:t>
             </a:r>
           </a:p>
         </p:txBody>
@@ -6045,7 +5941,7 @@
         </p:nvSpPr>
         <p:spPr>
           <a:xfrm>
-            <a:off x="16412584" y="9715567"/>
+            <a:off x="16324020" y="9715566"/>
             <a:ext cx="2469843" cy="461665"/>
           </a:xfrm>
           <a:prstGeom prst="rect">
@@ -6086,7 +5982,7 @@
         </p:nvSpPr>
         <p:spPr>
           <a:xfrm>
-            <a:off x="1902444" y="9688511"/>
+            <a:off x="1365693" y="9656514"/>
             <a:ext cx="3236271" cy="461665"/>
           </a:xfrm>
           <a:prstGeom prst="rect">
@@ -6128,7 +6024,7 @@
         <p:spPr>
           <a:xfrm>
             <a:off x="804549" y="10351571"/>
-            <a:ext cx="4403558" cy="3785652"/>
+            <a:ext cx="4403558" cy="3046988"/>
           </a:xfrm>
           <a:prstGeom prst="rect">
             <a:avLst/>
@@ -6141,42 +6037,64 @@
           <a:lstStyle/>
           <a:p>
             <a:r>
-              <a:rPr lang="en-US" sz="2000" b="1" dirty="0"/>
-              <a:t>SVM for Classification:</a:t>
-            </a:r>
-          </a:p>
-          <a:p>
-            <a:r>
-              <a:rPr lang="en-US" sz="2000" dirty="0"/>
-              <a:t>Trained on visual word histograms, it predicts gestures effectively.</a:t>
-            </a:r>
-            <a:endParaRPr lang="en-US" sz="2000" b="1" dirty="0"/>
-          </a:p>
-          <a:p>
-            <a:r>
-              <a:rPr lang="en-US" sz="2000" b="1" dirty="0"/>
-              <a:t>Efficient Clustering with Mini Batch K-Means:</a:t>
-            </a:r>
-          </a:p>
-          <a:p>
-            <a:r>
-              <a:rPr lang="en-US" sz="2000" dirty="0"/>
-              <a:t>Enhances visual word extraction for efficient classification.</a:t>
-            </a:r>
-            <a:endParaRPr lang="en-US" sz="2000" b="1" dirty="0"/>
-          </a:p>
-          <a:p>
-            <a:r>
-              <a:rPr lang="en-US" sz="2000" b="1" dirty="0"/>
-              <a:t>Feature Extraction using ORB and SIFT:</a:t>
-            </a:r>
-          </a:p>
-          <a:p>
-            <a:r>
-              <a:rPr lang="en-US" sz="2000" dirty="0"/>
-              <a:t>ORB and SIFT contribute to the creation of visual words, providing essential information for the SVM model to recognize sign language gestures.</a:t>
-            </a:r>
-            <a:endParaRPr lang="en-US" sz="2000" b="1" dirty="0"/>
+              <a:rPr lang="en-US" sz="2400" dirty="0"/>
+              <a:t>1. Cluster Model :</a:t>
+            </a:r>
+          </a:p>
+          <a:p>
+            <a:pPr marL="342900" indent="-342900">
+              <a:buFont typeface="Arial" panose="020B0604020202020204" pitchFamily="34" charset="0"/>
+              <a:buChar char="•"/>
+            </a:pPr>
+            <a:r>
+              <a:rPr lang="en-US" sz="2400" dirty="0"/>
+              <a:t>      K-means clustering</a:t>
+            </a:r>
+          </a:p>
+          <a:p>
+            <a:r>
+              <a:rPr lang="en-US" sz="2400" dirty="0"/>
+              <a:t>2. Classification:</a:t>
+            </a:r>
+          </a:p>
+          <a:p>
+            <a:pPr marL="342900" indent="-342900">
+              <a:buFont typeface="Arial" panose="020B0604020202020204" pitchFamily="34" charset="0"/>
+              <a:buChar char="•"/>
+            </a:pPr>
+            <a:r>
+              <a:rPr lang="en-US" sz="2400" dirty="0"/>
+              <a:t>     SVM</a:t>
+            </a:r>
+          </a:p>
+          <a:p>
+            <a:r>
+              <a:rPr lang="en-US" sz="2400" dirty="0"/>
+              <a:t>3. Feature Extraction:</a:t>
+            </a:r>
+          </a:p>
+          <a:p>
+            <a:pPr marL="342900" indent="-342900">
+              <a:buFont typeface="Arial" panose="020B0604020202020204" pitchFamily="34" charset="0"/>
+              <a:buChar char="•"/>
+            </a:pPr>
+            <a:r>
+              <a:rPr lang="en-US" sz="2400" dirty="0"/>
+              <a:t>     ORB</a:t>
+            </a:r>
+          </a:p>
+          <a:p>
+            <a:pPr marL="342900" indent="-342900">
+              <a:buFont typeface="Arial" panose="020B0604020202020204" pitchFamily="34" charset="0"/>
+              <a:buChar char="•"/>
+            </a:pPr>
+            <a:r>
+              <a:rPr lang="en-US" sz="2400" dirty="0"/>
+              <a:t>     SIFT</a:t>
+            </a:r>
+          </a:p>
+          <a:p>
+            <a:endParaRPr lang="en-US" sz="2400" dirty="0"/>
           </a:p>
         </p:txBody>
       </p:sp>
@@ -6194,7 +6112,7 @@
         </p:nvSpPr>
         <p:spPr>
           <a:xfrm>
-            <a:off x="16167966" y="5377195"/>
+            <a:off x="16477556" y="5362206"/>
             <a:ext cx="2162772" cy="461665"/>
           </a:xfrm>
           <a:prstGeom prst="rect">
@@ -6443,7 +6361,7 @@
         </p:nvSpPr>
         <p:spPr>
           <a:xfrm>
-            <a:off x="8826645" y="9704455"/>
+            <a:off x="9294005" y="9469133"/>
             <a:ext cx="883703" cy="461665"/>
           </a:xfrm>
           <a:prstGeom prst="rect">
@@ -6470,78 +6388,6 @@
           </a:p>
         </p:txBody>
       </p:sp>
-      <p:pic>
-        <p:nvPicPr>
-          <p:cNvPr id="31" name="Picture 30">
-            <a:extLst>
-              <a:ext uri="{FF2B5EF4-FFF2-40B4-BE49-F238E27FC236}">
-                <a16:creationId xmlns:a16="http://schemas.microsoft.com/office/drawing/2014/main" id="{57FD5AB0-1059-B94D-B028-13C02B81CF91}"/>
-              </a:ext>
-            </a:extLst>
-          </p:cNvPr>
-          <p:cNvPicPr>
-            <a:picLocks noChangeAspect="1"/>
-          </p:cNvPicPr>
-          <p:nvPr/>
-        </p:nvPicPr>
-        <p:blipFill>
-          <a:blip r:embed="rId7">
-            <a:extLst>
-              <a:ext uri="{28A0092B-C50C-407E-A947-70E740481C1C}">
-                <a14:useLocalDpi xmlns:a14="http://schemas.microsoft.com/office/drawing/2010/main" val="0"/>
-              </a:ext>
-            </a:extLst>
-          </a:blip>
-          <a:stretch>
-            <a:fillRect/>
-          </a:stretch>
-        </p:blipFill>
-        <p:spPr>
-          <a:xfrm>
-            <a:off x="7041009" y="10227371"/>
-            <a:ext cx="2451100" cy="4341828"/>
-          </a:xfrm>
-          <a:prstGeom prst="rect">
-            <a:avLst/>
-          </a:prstGeom>
-        </p:spPr>
-      </p:pic>
-      <p:pic>
-        <p:nvPicPr>
-          <p:cNvPr id="33" name="Picture 32">
-            <a:extLst>
-              <a:ext uri="{FF2B5EF4-FFF2-40B4-BE49-F238E27FC236}">
-                <a16:creationId xmlns:a16="http://schemas.microsoft.com/office/drawing/2014/main" id="{4DEF5B48-D374-4F44-A123-E7FFB71AF969}"/>
-              </a:ext>
-            </a:extLst>
-          </p:cNvPr>
-          <p:cNvPicPr>
-            <a:picLocks noChangeAspect="1"/>
-          </p:cNvPicPr>
-          <p:nvPr/>
-        </p:nvPicPr>
-        <p:blipFill>
-          <a:blip r:embed="rId8" cstate="print">
-            <a:extLst>
-              <a:ext uri="{28A0092B-C50C-407E-A947-70E740481C1C}">
-                <a14:useLocalDpi xmlns:a14="http://schemas.microsoft.com/office/drawing/2010/main" val="0"/>
-              </a:ext>
-            </a:extLst>
-          </a:blip>
-          <a:stretch>
-            <a:fillRect/>
-          </a:stretch>
-        </p:blipFill>
-        <p:spPr>
-          <a:xfrm>
-            <a:off x="10070579" y="10227371"/>
-            <a:ext cx="2451100" cy="4341828"/>
-          </a:xfrm>
-          <a:prstGeom prst="rect">
-            <a:avLst/>
-          </a:prstGeom>
-        </p:spPr>
-      </p:pic>
       <p:sp>
         <p:nvSpPr>
           <p:cNvPr id="36" name="Frame 35">
@@ -6648,7 +6494,7 @@
           <p:nvPr/>
         </p:nvPicPr>
         <p:blipFill>
-          <a:blip r:embed="rId9">
+          <a:blip r:embed="rId7">
             <a:extLst>
               <a:ext uri="{28A0092B-C50C-407E-A947-70E740481C1C}">
                 <a14:useLocalDpi xmlns:a14="http://schemas.microsoft.com/office/drawing/2010/main" val="0"/>
@@ -6687,7 +6533,7 @@
           <p:nvPr/>
         </p:nvPicPr>
         <p:blipFill>
-          <a:blip r:embed="rId10">
+          <a:blip r:embed="rId8">
             <a:extLst>
               <a:ext uri="{28A0092B-C50C-407E-A947-70E740481C1C}">
                 <a14:useLocalDpi xmlns:a14="http://schemas.microsoft.com/office/drawing/2010/main" val="0"/>
@@ -6728,7 +6574,7 @@
           <p:nvPr/>
         </p:nvPicPr>
         <p:blipFill>
-          <a:blip r:embed="rId11"/>
+          <a:blip r:embed="rId9"/>
           <a:stretch>
             <a:fillRect/>
           </a:stretch>
@@ -6758,7 +6604,7 @@
           <p:nvPr/>
         </p:nvPicPr>
         <p:blipFill>
-          <a:blip r:embed="rId12"/>
+          <a:blip r:embed="rId10"/>
           <a:stretch>
             <a:fillRect/>
           </a:stretch>
@@ -6773,6 +6619,309 @@
           </a:prstGeom>
         </p:spPr>
       </p:pic>
+      <p:pic>
+        <p:nvPicPr>
+          <p:cNvPr id="9" name="Picture 8">
+            <a:extLst>
+              <a:ext uri="{FF2B5EF4-FFF2-40B4-BE49-F238E27FC236}">
+                <a16:creationId xmlns:a16="http://schemas.microsoft.com/office/drawing/2014/main" id="{0A867ED5-30D5-21C1-E077-813C1817FE38}"/>
+              </a:ext>
+            </a:extLst>
+          </p:cNvPr>
+          <p:cNvPicPr>
+            <a:picLocks noChangeAspect="1"/>
+          </p:cNvPicPr>
+          <p:nvPr/>
+        </p:nvPicPr>
+        <p:blipFill rotWithShape="1">
+          <a:blip r:embed="rId11"/>
+          <a:srcRect l="8964" t="248" r="8392" b="10878"/>
+          <a:stretch/>
+        </p:blipFill>
+        <p:spPr>
+          <a:xfrm>
+            <a:off x="6019797" y="9946399"/>
+            <a:ext cx="7650480" cy="4627929"/>
+          </a:xfrm>
+          <a:prstGeom prst="rect">
+            <a:avLst/>
+          </a:prstGeom>
+        </p:spPr>
+      </p:pic>
+      <p:pic>
+        <p:nvPicPr>
+          <p:cNvPr id="12" name="Picture 11">
+            <a:extLst>
+              <a:ext uri="{FF2B5EF4-FFF2-40B4-BE49-F238E27FC236}">
+                <a16:creationId xmlns:a16="http://schemas.microsoft.com/office/drawing/2014/main" id="{286960BA-EB19-5B65-2FFD-BBC27515F77B}"/>
+              </a:ext>
+            </a:extLst>
+          </p:cNvPr>
+          <p:cNvPicPr>
+            <a:picLocks noChangeAspect="1"/>
+          </p:cNvPicPr>
+          <p:nvPr/>
+        </p:nvPicPr>
+        <p:blipFill>
+          <a:blip r:embed="rId12">
+            <a:extLst>
+              <a:ext uri="{28A0092B-C50C-407E-A947-70E740481C1C}">
+                <a14:useLocalDpi xmlns:a14="http://schemas.microsoft.com/office/drawing/2010/main" val="0"/>
+              </a:ext>
+            </a:extLst>
+          </a:blip>
+          <a:stretch>
+            <a:fillRect/>
+          </a:stretch>
+        </p:blipFill>
+        <p:spPr>
+          <a:xfrm>
+            <a:off x="14810256" y="10506113"/>
+            <a:ext cx="1688842" cy="1688842"/>
+          </a:xfrm>
+          <a:prstGeom prst="rect">
+            <a:avLst/>
+          </a:prstGeom>
+        </p:spPr>
+      </p:pic>
+      <p:pic>
+        <p:nvPicPr>
+          <p:cNvPr id="16" name="Picture 15">
+            <a:extLst>
+              <a:ext uri="{FF2B5EF4-FFF2-40B4-BE49-F238E27FC236}">
+                <a16:creationId xmlns:a16="http://schemas.microsoft.com/office/drawing/2014/main" id="{D477F24A-43C8-D2A1-0E19-CC4A5F88058B}"/>
+              </a:ext>
+            </a:extLst>
+          </p:cNvPr>
+          <p:cNvPicPr>
+            <a:picLocks noChangeAspect="1"/>
+          </p:cNvPicPr>
+          <p:nvPr/>
+        </p:nvPicPr>
+        <p:blipFill>
+          <a:blip r:embed="rId13">
+            <a:extLst>
+              <a:ext uri="{28A0092B-C50C-407E-A947-70E740481C1C}">
+                <a14:useLocalDpi xmlns:a14="http://schemas.microsoft.com/office/drawing/2010/main" val="0"/>
+              </a:ext>
+            </a:extLst>
+          </a:blip>
+          <a:stretch>
+            <a:fillRect/>
+          </a:stretch>
+        </p:blipFill>
+        <p:spPr>
+          <a:xfrm>
+            <a:off x="17135363" y="10253207"/>
+            <a:ext cx="1688842" cy="1688842"/>
+          </a:xfrm>
+          <a:prstGeom prst="rect">
+            <a:avLst/>
+          </a:prstGeom>
+        </p:spPr>
+      </p:pic>
+      <p:pic>
+        <p:nvPicPr>
+          <p:cNvPr id="1026" name="Picture 2" descr="Download OpenCV Logo PNG and Vector (PDF, SVG, Ai, EPS) Free">
+            <a:extLst>
+              <a:ext uri="{FF2B5EF4-FFF2-40B4-BE49-F238E27FC236}">
+                <a16:creationId xmlns:a16="http://schemas.microsoft.com/office/drawing/2014/main" id="{FCFE5A60-93E5-4EE7-1EDD-B7B9BD3AAEC1}"/>
+              </a:ext>
+            </a:extLst>
+          </p:cNvPr>
+          <p:cNvPicPr>
+            <a:picLocks noChangeAspect="1" noChangeArrowheads="1"/>
+          </p:cNvPicPr>
+          <p:nvPr/>
+        </p:nvPicPr>
+        <p:blipFill>
+          <a:blip r:embed="rId14">
+            <a:extLst>
+              <a:ext uri="{28A0092B-C50C-407E-A947-70E740481C1C}">
+                <a14:useLocalDpi xmlns:a14="http://schemas.microsoft.com/office/drawing/2010/main" val="0"/>
+              </a:ext>
+            </a:extLst>
+          </a:blip>
+          <a:srcRect/>
+          <a:stretch>
+            <a:fillRect/>
+          </a:stretch>
+        </p:blipFill>
+        <p:spPr bwMode="auto">
+          <a:xfrm>
+            <a:off x="15757418" y="12696402"/>
+            <a:ext cx="1483360" cy="1483360"/>
+          </a:xfrm>
+          <a:prstGeom prst="rect">
+            <a:avLst/>
+          </a:prstGeom>
+          <a:noFill/>
+          <a:extLst>
+            <a:ext uri="{909E8E84-426E-40DD-AFC4-6F175D3DCCD1}">
+              <a14:hiddenFill xmlns:a14="http://schemas.microsoft.com/office/drawing/2010/main">
+                <a:solidFill>
+                  <a:srgbClr val="FFFFFF"/>
+                </a:solidFill>
+              </a14:hiddenFill>
+            </a:ext>
+          </a:extLst>
+        </p:spPr>
+      </p:pic>
+      <p:pic>
+        <p:nvPicPr>
+          <p:cNvPr id="1028" name="Picture 4" descr="NumPy logo refresh · Issue #37 · numpy/numpy.org · GitHub">
+            <a:extLst>
+              <a:ext uri="{FF2B5EF4-FFF2-40B4-BE49-F238E27FC236}">
+                <a16:creationId xmlns:a16="http://schemas.microsoft.com/office/drawing/2014/main" id="{E58E43D2-36B1-58FC-CB73-6235D891342D}"/>
+              </a:ext>
+            </a:extLst>
+          </p:cNvPr>
+          <p:cNvPicPr>
+            <a:picLocks noChangeAspect="1" noChangeArrowheads="1"/>
+          </p:cNvPicPr>
+          <p:nvPr/>
+        </p:nvPicPr>
+        <p:blipFill>
+          <a:blip r:embed="rId15">
+            <a:extLst>
+              <a:ext uri="{28A0092B-C50C-407E-A947-70E740481C1C}">
+                <a14:useLocalDpi xmlns:a14="http://schemas.microsoft.com/office/drawing/2010/main" val="0"/>
+              </a:ext>
+            </a:extLst>
+          </a:blip>
+          <a:srcRect/>
+          <a:stretch>
+            <a:fillRect/>
+          </a:stretch>
+        </p:blipFill>
+        <p:spPr bwMode="auto">
+          <a:xfrm>
+            <a:off x="18640328" y="12351292"/>
+            <a:ext cx="1899565" cy="1899565"/>
+          </a:xfrm>
+          <a:prstGeom prst="rect">
+            <a:avLst/>
+          </a:prstGeom>
+          <a:noFill/>
+          <a:extLst>
+            <a:ext uri="{909E8E84-426E-40DD-AFC4-6F175D3DCCD1}">
+              <a14:hiddenFill xmlns:a14="http://schemas.microsoft.com/office/drawing/2010/main">
+                <a:solidFill>
+                  <a:srgbClr val="FFFFFF"/>
+                </a:solidFill>
+              </a14:hiddenFill>
+            </a:ext>
+          </a:extLst>
+        </p:spPr>
+      </p:pic>
+      <p:pic>
+        <p:nvPicPr>
+          <p:cNvPr id="19" name="Picture 18">
+            <a:extLst>
+              <a:ext uri="{FF2B5EF4-FFF2-40B4-BE49-F238E27FC236}">
+                <a16:creationId xmlns:a16="http://schemas.microsoft.com/office/drawing/2014/main" id="{7E2D2083-3F95-281A-FE0C-77F03C703FC5}"/>
+              </a:ext>
+            </a:extLst>
+          </p:cNvPr>
+          <p:cNvPicPr>
+            <a:picLocks noChangeAspect="1"/>
+          </p:cNvPicPr>
+          <p:nvPr/>
+        </p:nvPicPr>
+        <p:blipFill>
+          <a:blip r:embed="rId16">
+            <a:extLst>
+              <a:ext uri="{28A0092B-C50C-407E-A947-70E740481C1C}">
+                <a14:useLocalDpi xmlns:a14="http://schemas.microsoft.com/office/drawing/2010/main" val="0"/>
+              </a:ext>
+            </a:extLst>
+          </a:blip>
+          <a:stretch>
+            <a:fillRect/>
+          </a:stretch>
+        </p:blipFill>
+        <p:spPr>
+          <a:xfrm>
+            <a:off x="16745878" y="7231558"/>
+            <a:ext cx="1564040" cy="1564040"/>
+          </a:xfrm>
+          <a:prstGeom prst="rect">
+            <a:avLst/>
+          </a:prstGeom>
+        </p:spPr>
+      </p:pic>
+      <p:sp>
+        <p:nvSpPr>
+          <p:cNvPr id="4" name="TextBox 3">
+            <a:extLst>
+              <a:ext uri="{FF2B5EF4-FFF2-40B4-BE49-F238E27FC236}">
+                <a16:creationId xmlns:a16="http://schemas.microsoft.com/office/drawing/2014/main" id="{71CABDFA-2CE2-1B5B-0E21-044A54F0602B}"/>
+              </a:ext>
+            </a:extLst>
+          </p:cNvPr>
+          <p:cNvSpPr txBox="1"/>
+          <p:nvPr/>
+        </p:nvSpPr>
+        <p:spPr>
+          <a:xfrm>
+            <a:off x="15178464" y="11964122"/>
+            <a:ext cx="1513764" cy="461665"/>
+          </a:xfrm>
+          <a:prstGeom prst="rect">
+            <a:avLst/>
+          </a:prstGeom>
+          <a:noFill/>
+        </p:spPr>
+        <p:txBody>
+          <a:bodyPr wrap="square" rtlCol="0">
+            <a:spAutoFit/>
+          </a:bodyPr>
+          <a:lstStyle/>
+          <a:p>
+            <a:r>
+              <a:rPr lang="en-US" sz="2400" dirty="0"/>
+              <a:t>Python</a:t>
+            </a:r>
+            <a:endParaRPr lang="en-IN" sz="2400" dirty="0"/>
+          </a:p>
+        </p:txBody>
+      </p:sp>
+      <p:sp>
+        <p:nvSpPr>
+          <p:cNvPr id="13" name="TextBox 12">
+            <a:extLst>
+              <a:ext uri="{FF2B5EF4-FFF2-40B4-BE49-F238E27FC236}">
+                <a16:creationId xmlns:a16="http://schemas.microsoft.com/office/drawing/2014/main" id="{A4735529-5932-E1DC-90A9-7EA04C0A9ABE}"/>
+              </a:ext>
+            </a:extLst>
+          </p:cNvPr>
+          <p:cNvSpPr txBox="1"/>
+          <p:nvPr/>
+        </p:nvSpPr>
+        <p:spPr>
+          <a:xfrm>
+            <a:off x="17252718" y="11958917"/>
+            <a:ext cx="2201636" cy="461665"/>
+          </a:xfrm>
+          <a:prstGeom prst="rect">
+            <a:avLst/>
+          </a:prstGeom>
+          <a:noFill/>
+        </p:spPr>
+        <p:txBody>
+          <a:bodyPr wrap="square" rtlCol="0">
+            <a:spAutoFit/>
+          </a:bodyPr>
+          <a:lstStyle/>
+          <a:p>
+            <a:r>
+              <a:rPr lang="en-US" sz="2400" dirty="0"/>
+              <a:t>Sci-kit Learn</a:t>
+            </a:r>
+            <a:endParaRPr lang="en-IN" sz="2400" dirty="0"/>
+          </a:p>
+        </p:txBody>
+      </p:sp>
     </p:spTree>
     <p:extLst>
       <p:ext uri="{BB962C8B-B14F-4D97-AF65-F5344CB8AC3E}">
